--- a/HilosJava_Grupo2/DOCUMENTACION/HilosJava_171_172_Grupo2.pptx
+++ b/HilosJava_Grupo2/DOCUMENTACION/HilosJava_171_172_Grupo2.pptx
@@ -8785,48 +8785,6 @@
           </a:p>
         </p:txBody>
       </p:sp>
-      <p:pic>
-        <p:nvPicPr>
-          <p:cNvPr id="2" name="Imagen 1" descr="Interfaz de usuario gráfica, Texto, Aplicación&#10;&#10;Descripción generada automáticamente">
-            <a:extLst>
-              <a:ext uri="{FF2B5EF4-FFF2-40B4-BE49-F238E27FC236}">
-                <a16:creationId xmlns:a16="http://schemas.microsoft.com/office/drawing/2014/main" id="{C681FA9C-D869-5B3C-4F13-935BE298E143}"/>
-              </a:ext>
-            </a:extLst>
-          </p:cNvPr>
-          <p:cNvPicPr>
-            <a:picLocks noChangeAspect="1"/>
-          </p:cNvPicPr>
-          <p:nvPr/>
-        </p:nvPicPr>
-        <p:blipFill>
-          <a:blip r:embed="rId2"/>
-          <a:stretch>
-            <a:fillRect/>
-          </a:stretch>
-        </p:blipFill>
-        <p:spPr>
-          <a:xfrm>
-            <a:off x="4371618" y="1652969"/>
-            <a:ext cx="4533742" cy="3162872"/>
-          </a:xfrm>
-          <a:prstGeom prst="rect">
-            <a:avLst/>
-          </a:prstGeom>
-          <a:ln w="88900" cap="sq" cmpd="thickThin">
-            <a:solidFill>
-              <a:srgbClr val="000000"/>
-            </a:solidFill>
-            <a:prstDash val="solid"/>
-            <a:miter lim="800000"/>
-          </a:ln>
-          <a:effectLst>
-            <a:innerShdw blurRad="76200">
-              <a:srgbClr val="000000"/>
-            </a:innerShdw>
-          </a:effectLst>
-        </p:spPr>
-      </p:pic>
       <p:grpSp>
         <p:nvGrpSpPr>
           <p:cNvPr id="4" name="Grupo 3">
@@ -9394,6 +9352,42 @@
           </p:txBody>
         </p:sp>
       </p:grpSp>
+      <p:pic>
+        <p:nvPicPr>
+          <p:cNvPr id="8" name="Imagen 7">
+            <a:extLst>
+              <a:ext uri="{FF2B5EF4-FFF2-40B4-BE49-F238E27FC236}">
+                <a16:creationId xmlns:a16="http://schemas.microsoft.com/office/drawing/2014/main" id="{75650254-C54D-9523-046D-FCED27BEC0CA}"/>
+              </a:ext>
+            </a:extLst>
+          </p:cNvPr>
+          <p:cNvPicPr>
+            <a:picLocks noChangeAspect="1"/>
+          </p:cNvPicPr>
+          <p:nvPr/>
+        </p:nvPicPr>
+        <p:blipFill>
+          <a:blip r:embed="rId2"/>
+          <a:stretch>
+            <a:fillRect/>
+          </a:stretch>
+        </p:blipFill>
+        <p:spPr>
+          <a:xfrm>
+            <a:off x="4308732" y="1998652"/>
+            <a:ext cx="4613506" cy="3209445"/>
+          </a:xfrm>
+          <a:prstGeom prst="rect">
+            <a:avLst/>
+          </a:prstGeom>
+          <a:ln w="76200" cap="sq" cmpd="thinThick">
+            <a:solidFill>
+              <a:schemeClr val="tx1"/>
+            </a:solidFill>
+            <a:miter lim="800000"/>
+          </a:ln>
+        </p:spPr>
+      </p:pic>
     </p:spTree>
     <p:extLst>
       <p:ext uri="{BB962C8B-B14F-4D97-AF65-F5344CB8AC3E}">
@@ -10194,10 +10188,10 @@
       </p:grpSp>
       <p:pic>
         <p:nvPicPr>
-          <p:cNvPr id="7" name="Imagen 6" descr="Interfaz de usuario gráfica, Texto, Aplicación&#10;&#10;Descripción generada automáticamente">
+          <p:cNvPr id="12" name="Imagen 11">
             <a:extLst>
               <a:ext uri="{FF2B5EF4-FFF2-40B4-BE49-F238E27FC236}">
-                <a16:creationId xmlns:a16="http://schemas.microsoft.com/office/drawing/2014/main" id="{C4652B88-CD8B-1A11-7D9A-C033F6BA7D58}"/>
+                <a16:creationId xmlns:a16="http://schemas.microsoft.com/office/drawing/2014/main" id="{DDDF79F6-A049-8EE2-B78B-70674047685E}"/>
               </a:ext>
             </a:extLst>
           </p:cNvPr>
@@ -10214,24 +10208,18 @@
         </p:blipFill>
         <p:spPr>
           <a:xfrm>
-            <a:off x="2373828" y="2927485"/>
-            <a:ext cx="5124252" cy="3571638"/>
+            <a:off x="2372160" y="2973895"/>
+            <a:ext cx="4963998" cy="3453515"/>
           </a:xfrm>
           <a:prstGeom prst="rect">
             <a:avLst/>
           </a:prstGeom>
-          <a:ln w="88900" cap="sq" cmpd="thickThin">
+          <a:ln w="76200" cap="sq" cmpd="thinThick">
             <a:solidFill>
-              <a:srgbClr val="000000"/>
+              <a:schemeClr val="tx1"/>
             </a:solidFill>
-            <a:prstDash val="solid"/>
             <a:miter lim="800000"/>
           </a:ln>
-          <a:effectLst>
-            <a:innerShdw blurRad="76200">
-              <a:srgbClr val="000000"/>
-            </a:innerShdw>
-          </a:effectLst>
         </p:spPr>
       </p:pic>
     </p:spTree>
@@ -11015,10 +11003,10 @@
       </p:grpSp>
       <p:pic>
         <p:nvPicPr>
-          <p:cNvPr id="14" name="Imagen 13" descr="Captura de pantalla de computadora&#10;&#10;Descripción generada automáticamente">
+          <p:cNvPr id="4" name="Imagen 3" descr="Interfaz de usuario gráfica, Aplicación&#10;&#10;Descripción generada automáticamente">
             <a:extLst>
               <a:ext uri="{FF2B5EF4-FFF2-40B4-BE49-F238E27FC236}">
-                <a16:creationId xmlns:a16="http://schemas.microsoft.com/office/drawing/2014/main" id="{98CBF782-5679-648C-9A90-280BE73CC681}"/>
+                <a16:creationId xmlns:a16="http://schemas.microsoft.com/office/drawing/2014/main" id="{B7931C69-B37C-6C72-2584-31D632B2E851}"/>
               </a:ext>
             </a:extLst>
           </p:cNvPr>
@@ -11027,32 +11015,48 @@
           </p:cNvPicPr>
           <p:nvPr/>
         </p:nvPicPr>
-        <p:blipFill>
+        <p:blipFill rotWithShape="1">
           <a:blip r:embed="rId2"/>
-          <a:stretch>
-            <a:fillRect/>
-          </a:stretch>
+          <a:srcRect r="410" b="51435"/>
+          <a:stretch/>
         </p:blipFill>
-        <p:spPr>
+        <p:spPr bwMode="auto">
           <a:xfrm>
-            <a:off x="1922754" y="3061955"/>
-            <a:ext cx="5575326" cy="3181001"/>
+            <a:off x="2247156" y="3426456"/>
+            <a:ext cx="5487748" cy="2241683"/>
           </a:xfrm>
           <a:prstGeom prst="rect">
             <a:avLst/>
           </a:prstGeom>
-          <a:ln w="88900" cap="sq" cmpd="thickThin">
+          <a:ln w="76200" cap="sq" cmpd="thinThick" algn="ctr">
             <a:solidFill>
-              <a:srgbClr val="000000"/>
+              <a:sysClr val="windowText" lastClr="000000"/>
             </a:solidFill>
             <a:prstDash val="solid"/>
             <a:miter lim="800000"/>
+            <a:headEnd type="none" w="med" len="med"/>
+            <a:tailEnd type="none" w="med" len="med"/>
+            <a:extLst>
+              <a:ext uri="{C807C97D-BFC1-408E-A445-0C87EB9F89A2}">
+                <ask:lineSketchStyleProps xmlns:ask="http://schemas.microsoft.com/office/drawing/2018/sketchyshapes" sd="0">
+                  <a:custGeom>
+                    <a:avLst/>
+                    <a:gdLst/>
+                    <a:ahLst/>
+                    <a:cxnLst/>
+                    <a:rect l="0" t="0" r="0" b="0"/>
+                    <a:pathLst/>
+                  </a:custGeom>
+                  <ask:type/>
+                </ask:lineSketchStyleProps>
+              </a:ext>
+            </a:extLst>
           </a:ln>
-          <a:effectLst>
-            <a:innerShdw blurRad="76200">
-              <a:srgbClr val="000000"/>
-            </a:innerShdw>
-          </a:effectLst>
+          <a:extLst>
+            <a:ext uri="{53640926-AAD7-44D8-BBD7-CCE9431645EC}">
+              <a14:shadowObscured xmlns:a14="http://schemas.microsoft.com/office/drawing/2010/main"/>
+            </a:ext>
+          </a:extLst>
         </p:spPr>
       </p:pic>
     </p:spTree>
@@ -17254,10 +17258,10 @@
       </p:grpSp>
       <p:pic>
         <p:nvPicPr>
-          <p:cNvPr id="7" name="Imagen 6">
+          <p:cNvPr id="11" name="Imagen 10">
             <a:extLst>
               <a:ext uri="{FF2B5EF4-FFF2-40B4-BE49-F238E27FC236}">
-                <a16:creationId xmlns:a16="http://schemas.microsoft.com/office/drawing/2014/main" id="{E9ED57D4-E931-2465-7FF7-AE81ED3714C3}"/>
+                <a16:creationId xmlns:a16="http://schemas.microsoft.com/office/drawing/2014/main" id="{ED500E4E-896B-2B12-1810-727427AD70FD}"/>
               </a:ext>
             </a:extLst>
           </p:cNvPr>
@@ -17274,24 +17278,18 @@
         </p:blipFill>
         <p:spPr>
           <a:xfrm>
-            <a:off x="1676634" y="3027670"/>
-            <a:ext cx="6392286" cy="3298861"/>
+            <a:off x="1640697" y="2864563"/>
+            <a:ext cx="6001588" cy="3562847"/>
           </a:xfrm>
           <a:prstGeom prst="rect">
             <a:avLst/>
           </a:prstGeom>
-          <a:ln w="88900" cap="sq" cmpd="thickThin">
+          <a:ln w="76200" cap="sq" cmpd="thinThick">
             <a:solidFill>
-              <a:srgbClr val="000000"/>
+              <a:schemeClr val="tx1"/>
             </a:solidFill>
-            <a:prstDash val="solid"/>
             <a:miter lim="800000"/>
           </a:ln>
-          <a:effectLst>
-            <a:innerShdw blurRad="76200">
-              <a:srgbClr val="000000"/>
-            </a:innerShdw>
-          </a:effectLst>
         </p:spPr>
       </p:pic>
     </p:spTree>
@@ -18065,16 +18063,15 @@
           </p:cNvPicPr>
           <p:nvPr/>
         </p:nvPicPr>
-        <p:blipFill>
+        <p:blipFill rotWithShape="1">
           <a:blip r:embed="rId2"/>
-          <a:stretch>
-            <a:fillRect/>
-          </a:stretch>
+          <a:srcRect t="4917"/>
+          <a:stretch/>
         </p:blipFill>
         <p:spPr>
           <a:xfrm>
-            <a:off x="1864867" y="2866262"/>
-            <a:ext cx="5705051" cy="3289581"/>
+            <a:off x="1864867" y="3028013"/>
+            <a:ext cx="5705051" cy="3127830"/>
           </a:xfrm>
           <a:prstGeom prst="rect">
             <a:avLst/>
@@ -18879,10 +18876,10 @@
       </p:grpSp>
       <p:pic>
         <p:nvPicPr>
-          <p:cNvPr id="7" name="Imagen 6">
+          <p:cNvPr id="10" name="Imagen 9" descr="Interfaz de usuario gráfica, Aplicación&#10;&#10;Descripción generada automáticamente">
             <a:extLst>
               <a:ext uri="{FF2B5EF4-FFF2-40B4-BE49-F238E27FC236}">
-                <a16:creationId xmlns:a16="http://schemas.microsoft.com/office/drawing/2014/main" id="{B88E0190-FA8F-E27B-5244-BF20C8055352}"/>
+                <a16:creationId xmlns:a16="http://schemas.microsoft.com/office/drawing/2014/main" id="{3886AD97-205D-7D0B-A9F2-E2175BBF343D}"/>
               </a:ext>
             </a:extLst>
           </p:cNvPr>
@@ -18891,32 +18888,48 @@
           </p:cNvPicPr>
           <p:nvPr/>
         </p:nvPicPr>
-        <p:blipFill>
+        <p:blipFill rotWithShape="1">
           <a:blip r:embed="rId2"/>
-          <a:stretch>
-            <a:fillRect/>
-          </a:stretch>
+          <a:srcRect r="410" b="51435"/>
+          <a:stretch/>
         </p:blipFill>
-        <p:spPr>
+        <p:spPr bwMode="auto">
           <a:xfrm>
-            <a:off x="2086610" y="2886390"/>
-            <a:ext cx="5618734" cy="3609205"/>
+            <a:off x="1546310" y="3311744"/>
+            <a:ext cx="6587621" cy="2690969"/>
           </a:xfrm>
           <a:prstGeom prst="rect">
             <a:avLst/>
           </a:prstGeom>
-          <a:ln w="88900" cap="sq" cmpd="thickThin">
+          <a:ln w="76200" cap="sq" cmpd="thinThick" algn="ctr">
             <a:solidFill>
-              <a:srgbClr val="000000"/>
+              <a:sysClr val="windowText" lastClr="000000"/>
             </a:solidFill>
             <a:prstDash val="solid"/>
             <a:miter lim="800000"/>
+            <a:headEnd type="none" w="med" len="med"/>
+            <a:tailEnd type="none" w="med" len="med"/>
+            <a:extLst>
+              <a:ext uri="{C807C97D-BFC1-408E-A445-0C87EB9F89A2}">
+                <ask:lineSketchStyleProps xmlns:ask="http://schemas.microsoft.com/office/drawing/2018/sketchyshapes" sd="0">
+                  <a:custGeom>
+                    <a:avLst/>
+                    <a:gdLst/>
+                    <a:ahLst/>
+                    <a:cxnLst/>
+                    <a:rect l="0" t="0" r="0" b="0"/>
+                    <a:pathLst/>
+                  </a:custGeom>
+                  <ask:type/>
+                </ask:lineSketchStyleProps>
+              </a:ext>
+            </a:extLst>
           </a:ln>
-          <a:effectLst>
-            <a:innerShdw blurRad="76200">
-              <a:srgbClr val="000000"/>
-            </a:innerShdw>
-          </a:effectLst>
+          <a:extLst>
+            <a:ext uri="{53640926-AAD7-44D8-BBD7-CCE9431645EC}">
+              <a14:shadowObscured xmlns:a14="http://schemas.microsoft.com/office/drawing/2010/main"/>
+            </a:ext>
+          </a:extLst>
         </p:spPr>
       </p:pic>
     </p:spTree>
@@ -19697,10 +19710,10 @@
       </p:grpSp>
       <p:pic>
         <p:nvPicPr>
-          <p:cNvPr id="7" name="Imagen 6">
+          <p:cNvPr id="11" name="Imagen 10">
             <a:extLst>
               <a:ext uri="{FF2B5EF4-FFF2-40B4-BE49-F238E27FC236}">
-                <a16:creationId xmlns:a16="http://schemas.microsoft.com/office/drawing/2014/main" id="{B4D49D8D-5019-E7CA-E5AD-CF1731DB5DDA}"/>
+                <a16:creationId xmlns:a16="http://schemas.microsoft.com/office/drawing/2014/main" id="{B1BA5484-59DB-D52B-B4AF-74CB73CA56E0}"/>
               </a:ext>
             </a:extLst>
           </p:cNvPr>
@@ -19717,24 +19730,18 @@
         </p:blipFill>
         <p:spPr>
           <a:xfrm>
-            <a:off x="1649869" y="2837243"/>
-            <a:ext cx="6101278" cy="3590167"/>
+            <a:off x="2143913" y="2706004"/>
+            <a:ext cx="5066355" cy="3914568"/>
           </a:xfrm>
           <a:prstGeom prst="rect">
             <a:avLst/>
           </a:prstGeom>
-          <a:ln w="88900" cap="sq" cmpd="thickThin">
+          <a:ln w="76200" cap="sq" cmpd="thinThick">
             <a:solidFill>
-              <a:srgbClr val="000000"/>
+              <a:schemeClr val="tx1"/>
             </a:solidFill>
-            <a:prstDash val="solid"/>
             <a:miter lim="800000"/>
           </a:ln>
-          <a:effectLst>
-            <a:innerShdw blurRad="76200">
-              <a:srgbClr val="000000"/>
-            </a:innerShdw>
-          </a:effectLst>
         </p:spPr>
       </p:pic>
     </p:spTree>
@@ -21330,10 +21337,10 @@
       </p:grpSp>
       <p:pic>
         <p:nvPicPr>
-          <p:cNvPr id="7" name="Imagen 6" descr="Texto&#10;&#10;Descripción generada automáticamente">
+          <p:cNvPr id="10" name="Imagen 9" descr="Interfaz de usuario gráfica, Texto, Aplicación, Correo electrónico&#10;&#10;Descripción generada automáticamente">
             <a:extLst>
               <a:ext uri="{FF2B5EF4-FFF2-40B4-BE49-F238E27FC236}">
-                <a16:creationId xmlns:a16="http://schemas.microsoft.com/office/drawing/2014/main" id="{3714AB74-952D-83DB-20D4-E51FC67C1DAE}"/>
+                <a16:creationId xmlns:a16="http://schemas.microsoft.com/office/drawing/2014/main" id="{FE18AF41-B887-B9F2-0EE4-972ED019EEC4}"/>
               </a:ext>
             </a:extLst>
           </p:cNvPr>
@@ -21350,24 +21357,18 @@
         </p:blipFill>
         <p:spPr>
           <a:xfrm>
-            <a:off x="2199004" y="2750379"/>
-            <a:ext cx="5201539" cy="3857390"/>
+            <a:off x="2610318" y="2928139"/>
+            <a:ext cx="4459605" cy="3227705"/>
           </a:xfrm>
           <a:prstGeom prst="rect">
             <a:avLst/>
           </a:prstGeom>
-          <a:ln w="88900" cap="sq" cmpd="thickThin">
+          <a:ln w="76200" cap="sq" cmpd="thinThick">
             <a:solidFill>
-              <a:srgbClr val="000000"/>
+              <a:schemeClr val="tx1"/>
             </a:solidFill>
-            <a:prstDash val="solid"/>
             <a:miter lim="800000"/>
           </a:ln>
-          <a:effectLst>
-            <a:innerShdw blurRad="76200">
-              <a:srgbClr val="000000"/>
-            </a:innerShdw>
-          </a:effectLst>
         </p:spPr>
       </p:pic>
     </p:spTree>
@@ -23852,10 +23853,10 @@
       </p:grpSp>
       <p:pic>
         <p:nvPicPr>
-          <p:cNvPr id="7" name="Imagen 6">
+          <p:cNvPr id="10" name="Imagen 9" descr="Interfaz de usuario gráfica, Texto, Aplicación, Correo electrónico&#10;&#10;Descripción generada automáticamente">
             <a:extLst>
               <a:ext uri="{FF2B5EF4-FFF2-40B4-BE49-F238E27FC236}">
-                <a16:creationId xmlns:a16="http://schemas.microsoft.com/office/drawing/2014/main" id="{82F1BD1A-E38A-D82F-62B8-7953557ABA61}"/>
+                <a16:creationId xmlns:a16="http://schemas.microsoft.com/office/drawing/2014/main" id="{05CA74FB-B8EE-FF3A-5DB6-AA7ACE842C01}"/>
               </a:ext>
             </a:extLst>
           </p:cNvPr>
@@ -23872,24 +23873,18 @@
         </p:blipFill>
         <p:spPr>
           <a:xfrm>
-            <a:off x="2594165" y="2893665"/>
-            <a:ext cx="4784725" cy="3733800"/>
+            <a:off x="3300780" y="2778014"/>
+            <a:ext cx="4740208" cy="3679876"/>
           </a:xfrm>
           <a:prstGeom prst="rect">
             <a:avLst/>
           </a:prstGeom>
-          <a:ln w="88900" cap="sq" cmpd="thickThin">
+          <a:ln w="76200" cap="sq" cmpd="thinThick">
             <a:solidFill>
-              <a:srgbClr val="000000"/>
+              <a:schemeClr val="tx1"/>
             </a:solidFill>
-            <a:prstDash val="solid"/>
             <a:miter lim="800000"/>
           </a:ln>
-          <a:effectLst>
-            <a:innerShdw blurRad="76200">
-              <a:srgbClr val="000000"/>
-            </a:innerShdw>
-          </a:effectLst>
         </p:spPr>
       </p:pic>
     </p:spTree>
@@ -24671,16 +24666,15 @@
           </p:cNvPicPr>
           <p:nvPr/>
         </p:nvPicPr>
-        <p:blipFill>
+        <p:blipFill rotWithShape="1">
           <a:blip r:embed="rId2"/>
-          <a:stretch>
-            <a:fillRect/>
-          </a:stretch>
+          <a:srcRect t="6107"/>
+          <a:stretch/>
         </p:blipFill>
         <p:spPr>
           <a:xfrm>
-            <a:off x="4840121" y="2009217"/>
-            <a:ext cx="3064875" cy="4409118"/>
+            <a:off x="4840121" y="2278505"/>
+            <a:ext cx="3064875" cy="4139830"/>
           </a:xfrm>
           <a:prstGeom prst="rect">
             <a:avLst/>
@@ -34192,18 +34186,18 @@
 </file>
 
 <file path=customXml/item2.xml><?xml version="1.0" encoding="utf-8"?>
-<p:properties xmlns:p="http://schemas.microsoft.com/office/2006/metadata/properties" xmlns:xsi="http://www.w3.org/2001/XMLSchema-instance" xmlns:pc="http://schemas.microsoft.com/office/infopath/2007/PartnerControls">
-  <documentManagement/>
-</p:properties>
-</file>
-
-<file path=customXml/item3.xml><?xml version="1.0" encoding="utf-8"?>
 <?mso-contentType ?>
 <FormTemplates xmlns="http://schemas.microsoft.com/sharepoint/v3/contenttype/forms">
   <Display>DocumentLibraryForm</Display>
   <Edit>DocumentLibraryForm</Edit>
   <New>DocumentLibraryForm</New>
 </FormTemplates>
+</file>
+
+<file path=customXml/item3.xml><?xml version="1.0" encoding="utf-8"?>
+<p:properties xmlns:p="http://schemas.microsoft.com/office/2006/metadata/properties" xmlns:xsi="http://www.w3.org/2001/XMLSchema-instance" xmlns:pc="http://schemas.microsoft.com/office/infopath/2007/PartnerControls">
+  <documentManagement/>
+</p:properties>
 </file>
 
 <file path=customXml/itemProps1.xml><?xml version="1.0" encoding="utf-8"?>
@@ -34226,6 +34220,14 @@
 </file>
 
 <file path=customXml/itemProps2.xml><?xml version="1.0" encoding="utf-8"?>
+<ds:datastoreItem xmlns:ds="http://schemas.openxmlformats.org/officeDocument/2006/customXml" ds:itemID="{F3DCAEA0-94B1-4E6A-AD26-F5EDE5307CAC}">
+  <ds:schemaRefs>
+    <ds:schemaRef ds:uri="http://schemas.microsoft.com/sharepoint/v3/contenttype/forms"/>
+  </ds:schemaRefs>
+</ds:datastoreItem>
+</file>
+
+<file path=customXml/itemProps3.xml><?xml version="1.0" encoding="utf-8"?>
 <ds:datastoreItem xmlns:ds="http://schemas.openxmlformats.org/officeDocument/2006/customXml" ds:itemID="{E476FF2B-C098-40B2-8C02-A6808430CAFA}">
   <ds:schemaRefs>
     <ds:schemaRef ds:uri="757c851f-a54b-415f-9d4a-84ace0105453"/>
@@ -34240,12 +34242,4 @@
     <ds:schemaRef ds:uri="http://www.w3.org/XML/1998/namespace"/>
   </ds:schemaRefs>
 </ds:datastoreItem>
-</file>
-
-<file path=customXml/itemProps3.xml><?xml version="1.0" encoding="utf-8"?>
-<ds:datastoreItem xmlns:ds="http://schemas.openxmlformats.org/officeDocument/2006/customXml" ds:itemID="{F3DCAEA0-94B1-4E6A-AD26-F5EDE5307CAC}">
-  <ds:schemaRefs>
-    <ds:schemaRef ds:uri="http://schemas.microsoft.com/sharepoint/v3/contenttype/forms"/>
-  </ds:schemaRefs>
-</ds:datastoreItem>
 </file>